--- a/Day6/Day6-1.pptx
+++ b/Day6/Day6-1.pptx
@@ -203,7 +203,7 @@
           <a:p>
             <a:fld id="{D4CB86DC-20C9-45AA-9C21-5865177CCC2D}" type="datetimeFigureOut">
               <a:rPr lang="zh-TW" altLang="en-US" smtClean="0"/>
-              <a:t>2020/8/4</a:t>
+              <a:t>2020/8/7</a:t>
             </a:fld>
             <a:endParaRPr lang="zh-TW" altLang="en-US"/>
           </a:p>
@@ -665,7 +665,7 @@
           <a:p>
             <a:fld id="{5BBEAD13-0566-4C6C-97E7-55F17F24B09F}" type="datetimeFigureOut">
               <a:rPr lang="zh-TW" altLang="en-US" smtClean="0"/>
-              <a:t>2020/8/4</a:t>
+              <a:t>2020/8/7</a:t>
             </a:fld>
             <a:endParaRPr lang="zh-TW" altLang="en-US"/>
           </a:p>
@@ -830,7 +830,7 @@
           <a:p>
             <a:fld id="{5BBEAD13-0566-4C6C-97E7-55F17F24B09F}" type="datetimeFigureOut">
               <a:rPr lang="zh-TW" altLang="en-US" smtClean="0"/>
-              <a:t>2020/8/4</a:t>
+              <a:t>2020/8/7</a:t>
             </a:fld>
             <a:endParaRPr lang="zh-TW" altLang="en-US"/>
           </a:p>
@@ -1005,7 +1005,7 @@
           <a:p>
             <a:fld id="{5BBEAD13-0566-4C6C-97E7-55F17F24B09F}" type="datetimeFigureOut">
               <a:rPr lang="zh-TW" altLang="en-US" smtClean="0"/>
-              <a:t>2020/8/4</a:t>
+              <a:t>2020/8/7</a:t>
             </a:fld>
             <a:endParaRPr lang="zh-TW" altLang="en-US"/>
           </a:p>
@@ -1170,7 +1170,7 @@
           <a:p>
             <a:fld id="{5BBEAD13-0566-4C6C-97E7-55F17F24B09F}" type="datetimeFigureOut">
               <a:rPr lang="zh-TW" altLang="en-US" smtClean="0"/>
-              <a:t>2020/8/4</a:t>
+              <a:t>2020/8/7</a:t>
             </a:fld>
             <a:endParaRPr lang="zh-TW" altLang="en-US"/>
           </a:p>
@@ -1411,7 +1411,7 @@
           <a:p>
             <a:fld id="{5BBEAD13-0566-4C6C-97E7-55F17F24B09F}" type="datetimeFigureOut">
               <a:rPr lang="zh-TW" altLang="en-US" smtClean="0"/>
-              <a:t>2020/8/4</a:t>
+              <a:t>2020/8/7</a:t>
             </a:fld>
             <a:endParaRPr lang="zh-TW" altLang="en-US"/>
           </a:p>
@@ -1694,7 +1694,7 @@
           <a:p>
             <a:fld id="{5BBEAD13-0566-4C6C-97E7-55F17F24B09F}" type="datetimeFigureOut">
               <a:rPr lang="zh-TW" altLang="en-US" smtClean="0"/>
-              <a:t>2020/8/4</a:t>
+              <a:t>2020/8/7</a:t>
             </a:fld>
             <a:endParaRPr lang="zh-TW" altLang="en-US"/>
           </a:p>
@@ -2123,7 +2123,7 @@
           <a:p>
             <a:fld id="{5BBEAD13-0566-4C6C-97E7-55F17F24B09F}" type="datetimeFigureOut">
               <a:rPr lang="zh-TW" altLang="en-US" smtClean="0"/>
-              <a:t>2020/8/4</a:t>
+              <a:t>2020/8/7</a:t>
             </a:fld>
             <a:endParaRPr lang="zh-TW" altLang="en-US"/>
           </a:p>
@@ -2236,7 +2236,7 @@
           <a:p>
             <a:fld id="{5BBEAD13-0566-4C6C-97E7-55F17F24B09F}" type="datetimeFigureOut">
               <a:rPr lang="zh-TW" altLang="en-US" smtClean="0"/>
-              <a:t>2020/8/4</a:t>
+              <a:t>2020/8/7</a:t>
             </a:fld>
             <a:endParaRPr lang="zh-TW" altLang="en-US"/>
           </a:p>
@@ -2326,7 +2326,7 @@
           <a:p>
             <a:fld id="{5BBEAD13-0566-4C6C-97E7-55F17F24B09F}" type="datetimeFigureOut">
               <a:rPr lang="zh-TW" altLang="en-US" smtClean="0"/>
-              <a:t>2020/8/4</a:t>
+              <a:t>2020/8/7</a:t>
             </a:fld>
             <a:endParaRPr lang="zh-TW" altLang="en-US"/>
           </a:p>
@@ -2515,7 +2515,7 @@
           <a:p>
             <a:fld id="{5BBEAD13-0566-4C6C-97E7-55F17F24B09F}" type="datetimeFigureOut">
               <a:rPr lang="zh-TW" altLang="en-US" smtClean="0"/>
-              <a:t>2020/8/4</a:t>
+              <a:t>2020/8/7</a:t>
             </a:fld>
             <a:endParaRPr lang="zh-TW" altLang="en-US"/>
           </a:p>
@@ -2833,7 +2833,7 @@
           <a:p>
             <a:fld id="{5BBEAD13-0566-4C6C-97E7-55F17F24B09F}" type="datetimeFigureOut">
               <a:rPr lang="zh-TW" altLang="en-US" smtClean="0"/>
-              <a:t>2020/8/4</a:t>
+              <a:t>2020/8/7</a:t>
             </a:fld>
             <a:endParaRPr lang="zh-TW" altLang="en-US"/>
           </a:p>
@@ -3212,7 +3212,7 @@
           <a:p>
             <a:fld id="{5BBEAD13-0566-4C6C-97E7-55F17F24B09F}" type="datetimeFigureOut">
               <a:rPr lang="zh-TW" altLang="en-US" smtClean="0"/>
-              <a:t>2020/8/4</a:t>
+              <a:t>2020/8/7</a:t>
             </a:fld>
             <a:endParaRPr lang="zh-TW" altLang="en-US"/>
           </a:p>
@@ -3554,10 +3554,6 @@
               <a:rPr lang="en-US" altLang="zh-TW" dirty="0" smtClean="0"/>
               <a:t>Day6-1</a:t>
             </a:r>
-            <a:r>
-              <a:rPr lang="en-US" altLang="zh-TW" dirty="0" smtClean="0"/>
-              <a:t/>
-            </a:r>
             <a:br>
               <a:rPr lang="en-US" altLang="zh-TW" dirty="0" smtClean="0"/>
             </a:br>
@@ -3683,7 +3679,6 @@
               <a:rPr lang="zh-TW" altLang="en-US" dirty="0"/>
               <a:t>範例</a:t>
             </a:r>
-            <a:endParaRPr lang="zh-TW" altLang="en-US" dirty="0"/>
           </a:p>
         </p:txBody>
       </p:sp>
@@ -3913,21 +3908,29 @@
       </p:sp>
       <p:pic>
         <p:nvPicPr>
-          <p:cNvPr id="5" name="Google Shape;136;p26"/>
-          <p:cNvPicPr preferRelativeResize="0"/>
+          <p:cNvPr id="1026" name="Picture 2"/>
+          <p:cNvPicPr>
+            <a:picLocks noChangeAspect="1" noChangeArrowheads="1"/>
+          </p:cNvPicPr>
           <p:nvPr/>
         </p:nvPicPr>
-        <p:blipFill rotWithShape="1">
+        <p:blipFill>
           <a:blip r:embed="rId2">
-            <a:alphaModFix/>
+            <a:extLst>
+              <a:ext uri="{28A0092B-C50C-407E-A947-70E740481C1C}">
+                <a14:useLocalDpi xmlns:a14="http://schemas.microsoft.com/office/drawing/2010/main" val="0"/>
+              </a:ext>
+            </a:extLst>
           </a:blip>
           <a:srcRect/>
-          <a:stretch/>
+          <a:stretch>
+            <a:fillRect/>
+          </a:stretch>
         </p:blipFill>
-        <p:spPr>
+        <p:spPr bwMode="auto">
           <a:xfrm>
-            <a:off x="467544" y="2492896"/>
-            <a:ext cx="5200063" cy="3416400"/>
+            <a:off x="899592" y="2492896"/>
+            <a:ext cx="4944362" cy="3384376"/>
           </a:xfrm>
           <a:prstGeom prst="rect">
             <a:avLst/>
@@ -3936,6 +3939,35 @@
           <a:ln>
             <a:noFill/>
           </a:ln>
+          <a:effectLst/>
+          <a:extLst>
+            <a:ext uri="{909E8E84-426E-40DD-AFC4-6F175D3DCCD1}">
+              <a14:hiddenFill xmlns:a14="http://schemas.microsoft.com/office/drawing/2010/main">
+                <a:solidFill>
+                  <a:schemeClr val="accent1"/>
+                </a:solidFill>
+              </a14:hiddenFill>
+            </a:ext>
+            <a:ext uri="{91240B29-F687-4F45-9708-019B960494DF}">
+              <a14:hiddenLine xmlns:a14="http://schemas.microsoft.com/office/drawing/2010/main" w="9525">
+                <a:solidFill>
+                  <a:schemeClr val="tx1"/>
+                </a:solidFill>
+                <a:miter lim="800000"/>
+                <a:headEnd/>
+                <a:tailEnd/>
+              </a14:hiddenLine>
+            </a:ext>
+            <a:ext uri="{AF507438-7753-43E0-B8FC-AC1667EBCBE1}">
+              <a14:hiddenEffects xmlns:a14="http://schemas.microsoft.com/office/drawing/2010/main">
+                <a:effectLst>
+                  <a:outerShdw dist="35921" dir="2700000" algn="ctr" rotWithShape="0">
+                    <a:schemeClr val="bg2"/>
+                  </a:outerShdw>
+                </a:effectLst>
+              </a14:hiddenEffects>
+            </a:ext>
+          </a:extLst>
         </p:spPr>
       </p:pic>
     </p:spTree>
@@ -4260,7 +4292,6 @@
               <a:rPr lang="zh-TW" altLang="en-US" dirty="0"/>
               <a:t>機器學習簡介</a:t>
             </a:r>
-            <a:endParaRPr lang="zh-TW" altLang="en-US" dirty="0"/>
           </a:p>
         </p:txBody>
       </p:sp>
@@ -4290,7 +4321,6 @@
               <a:rPr lang="zh-TW" altLang="en-US" dirty="0"/>
               <a:t>非監督式學習</a:t>
             </a:r>
-            <a:endParaRPr lang="zh-TW" altLang="en-US" dirty="0"/>
           </a:p>
         </p:txBody>
       </p:sp>
@@ -4377,7 +4407,6 @@
               <a:rPr lang="zh-TW" altLang="en-US" dirty="0"/>
               <a:t>機器學習簡介</a:t>
             </a:r>
-            <a:endParaRPr lang="zh-TW" altLang="en-US" dirty="0"/>
           </a:p>
         </p:txBody>
       </p:sp>
@@ -4630,7 +4659,6 @@
               <a:rPr lang="zh-TW" altLang="en-US" dirty="0"/>
               <a:t>機器學習簡介</a:t>
             </a:r>
-            <a:endParaRPr lang="zh-TW" altLang="en-US" dirty="0"/>
           </a:p>
         </p:txBody>
       </p:sp>
@@ -4796,7 +4824,6 @@
               <a:rPr lang="zh-TW" altLang="en-US" dirty="0"/>
               <a:t>機器學習簡介</a:t>
             </a:r>
-            <a:endParaRPr lang="zh-TW" altLang="en-US" dirty="0"/>
           </a:p>
         </p:txBody>
       </p:sp>
@@ -4902,7 +4929,6 @@
               <a:rPr lang="zh-TW" altLang="en-US" dirty="0"/>
               <a:t>機器學習簡介</a:t>
             </a:r>
-            <a:endParaRPr lang="zh-TW" altLang="en-US" dirty="0"/>
           </a:p>
         </p:txBody>
       </p:sp>
